--- a/python_programming_level2/presentations/What is a decorator.pptx
+++ b/python_programming_level2/presentations/What is a decorator.pptx
@@ -5,7 +5,8 @@
     <p:sldMasterId id="2147483648" r:id="rId1"/>
   </p:sldMasterIdLst>
   <p:sldIdLst>
-    <p:sldId id="257" r:id="rId2"/>
+    <p:sldId id="258" r:id="rId2"/>
+    <p:sldId id="259" r:id="rId3"/>
   </p:sldIdLst>
   <p:sldSz cx="12192000" cy="6858000"/>
   <p:notesSz cx="6858000" cy="9144000"/>
@@ -104,6 +105,11 @@
       </a:defRPr>
     </a:lvl9pPr>
   </p:defaultTextStyle>
+  <p:extLst>
+    <p:ext uri="{EFAFB233-063F-42B5-8137-9DF3F51BA10A}">
+      <p15:sldGuideLst xmlns:p15="http://schemas.microsoft.com/office/powerpoint/2012/main"/>
+    </p:ext>
+  </p:extLst>
 </p:presentation>
 </file>
 
@@ -256,7 +262,7 @@
           <a:p>
             <a:fld id="{0A48BC6E-CCE9-41AF-8C67-22E8F737D507}" type="datetimeFigureOut">
               <a:rPr lang="en-IN" smtClean="0"/>
-              <a:t>24-08-2022</a:t>
+              <a:t>27-08-2022</a:t>
             </a:fld>
             <a:endParaRPr lang="en-IN"/>
           </a:p>
@@ -456,7 +462,7 @@
           <a:p>
             <a:fld id="{0A48BC6E-CCE9-41AF-8C67-22E8F737D507}" type="datetimeFigureOut">
               <a:rPr lang="en-IN" smtClean="0"/>
-              <a:t>24-08-2022</a:t>
+              <a:t>27-08-2022</a:t>
             </a:fld>
             <a:endParaRPr lang="en-IN"/>
           </a:p>
@@ -666,7 +672,7 @@
           <a:p>
             <a:fld id="{0A48BC6E-CCE9-41AF-8C67-22E8F737D507}" type="datetimeFigureOut">
               <a:rPr lang="en-IN" smtClean="0"/>
-              <a:t>24-08-2022</a:t>
+              <a:t>27-08-2022</a:t>
             </a:fld>
             <a:endParaRPr lang="en-IN"/>
           </a:p>
@@ -866,7 +872,7 @@
           <a:p>
             <a:fld id="{0A48BC6E-CCE9-41AF-8C67-22E8F737D507}" type="datetimeFigureOut">
               <a:rPr lang="en-IN" smtClean="0"/>
-              <a:t>24-08-2022</a:t>
+              <a:t>27-08-2022</a:t>
             </a:fld>
             <a:endParaRPr lang="en-IN"/>
           </a:p>
@@ -1142,7 +1148,7 @@
           <a:p>
             <a:fld id="{0A48BC6E-CCE9-41AF-8C67-22E8F737D507}" type="datetimeFigureOut">
               <a:rPr lang="en-IN" smtClean="0"/>
-              <a:t>24-08-2022</a:t>
+              <a:t>27-08-2022</a:t>
             </a:fld>
             <a:endParaRPr lang="en-IN"/>
           </a:p>
@@ -1410,7 +1416,7 @@
           <a:p>
             <a:fld id="{0A48BC6E-CCE9-41AF-8C67-22E8F737D507}" type="datetimeFigureOut">
               <a:rPr lang="en-IN" smtClean="0"/>
-              <a:t>24-08-2022</a:t>
+              <a:t>27-08-2022</a:t>
             </a:fld>
             <a:endParaRPr lang="en-IN"/>
           </a:p>
@@ -1825,7 +1831,7 @@
           <a:p>
             <a:fld id="{0A48BC6E-CCE9-41AF-8C67-22E8F737D507}" type="datetimeFigureOut">
               <a:rPr lang="en-IN" smtClean="0"/>
-              <a:t>24-08-2022</a:t>
+              <a:t>27-08-2022</a:t>
             </a:fld>
             <a:endParaRPr lang="en-IN"/>
           </a:p>
@@ -1967,7 +1973,7 @@
           <a:p>
             <a:fld id="{0A48BC6E-CCE9-41AF-8C67-22E8F737D507}" type="datetimeFigureOut">
               <a:rPr lang="en-IN" smtClean="0"/>
-              <a:t>24-08-2022</a:t>
+              <a:t>27-08-2022</a:t>
             </a:fld>
             <a:endParaRPr lang="en-IN"/>
           </a:p>
@@ -2080,7 +2086,7 @@
           <a:p>
             <a:fld id="{0A48BC6E-CCE9-41AF-8C67-22E8F737D507}" type="datetimeFigureOut">
               <a:rPr lang="en-IN" smtClean="0"/>
-              <a:t>24-08-2022</a:t>
+              <a:t>27-08-2022</a:t>
             </a:fld>
             <a:endParaRPr lang="en-IN"/>
           </a:p>
@@ -2393,7 +2399,7 @@
           <a:p>
             <a:fld id="{0A48BC6E-CCE9-41AF-8C67-22E8F737D507}" type="datetimeFigureOut">
               <a:rPr lang="en-IN" smtClean="0"/>
-              <a:t>24-08-2022</a:t>
+              <a:t>27-08-2022</a:t>
             </a:fld>
             <a:endParaRPr lang="en-IN"/>
           </a:p>
@@ -2682,7 +2688,7 @@
           <a:p>
             <a:fld id="{0A48BC6E-CCE9-41AF-8C67-22E8F737D507}" type="datetimeFigureOut">
               <a:rPr lang="en-IN" smtClean="0"/>
-              <a:t>24-08-2022</a:t>
+              <a:t>27-08-2022</a:t>
             </a:fld>
             <a:endParaRPr lang="en-IN"/>
           </a:p>
@@ -2925,7 +2931,7 @@
           <a:p>
             <a:fld id="{0A48BC6E-CCE9-41AF-8C67-22E8F737D507}" type="datetimeFigureOut">
               <a:rPr lang="en-IN" smtClean="0"/>
-              <a:t>24-08-2022</a:t>
+              <a:t>27-08-2022</a:t>
             </a:fld>
             <a:endParaRPr lang="en-IN"/>
           </a:p>
@@ -3358,7 +3364,12 @@
             <p:ph type="title"/>
           </p:nvPr>
         </p:nvSpPr>
-        <p:spPr/>
+        <p:spPr>
+          <a:xfrm>
+            <a:off x="838200" y="365125"/>
+            <a:ext cx="10515600" cy="716543"/>
+          </a:xfrm>
+        </p:spPr>
         <p:txBody>
           <a:bodyPr/>
           <a:lstStyle/>
@@ -3387,79 +3398,506 @@
             <p:ph idx="1"/>
           </p:nvPr>
         </p:nvSpPr>
-        <p:spPr/>
-        <p:txBody>
-          <a:bodyPr/>
-          <a:lstStyle/>
-          <a:p>
-            <a:r>
-              <a:rPr lang="en-IN" i="0" dirty="0">
+        <p:spPr>
+          <a:xfrm>
+            <a:off x="838200" y="1170878"/>
+            <a:ext cx="10515600" cy="5207620"/>
+          </a:xfrm>
+        </p:spPr>
+        <p:txBody>
+          <a:bodyPr>
+            <a:normAutofit/>
+          </a:bodyPr>
+          <a:lstStyle/>
+          <a:p>
+            <a:r>
+              <a:rPr lang="en-US" sz="3200" i="0" dirty="0">
                 <a:solidFill>
                   <a:srgbClr val="202124"/>
                 </a:solidFill>
                 <a:effectLst/>
                 <a:latin typeface="arial" panose="020B0604020202020204" pitchFamily="34" charset="0"/>
               </a:rPr>
-              <a:t>Decorator is a construct (design pattern) in python that permits the user to add a new functionality </a:t>
-            </a:r>
-            <a:r>
-              <a:rPr lang="en-IN" dirty="0">
-                <a:solidFill>
-                  <a:srgbClr val="202124"/>
-                </a:solidFill>
-                <a:latin typeface="arial" panose="020B0604020202020204" pitchFamily="34" charset="0"/>
-              </a:rPr>
-              <a:t>to an existing function or class without modifying its original structure. Decorators are usually placed just before the function you want to decorate. </a:t>
-            </a:r>
-          </a:p>
-          <a:p>
-            <a:r>
-              <a:rPr lang="en-IN" i="0" dirty="0">
+              <a:t>Decorator is a function that provides a wrapper around another function. This way you can add additional  functionality to an already existing code.</a:t>
+            </a:r>
+          </a:p>
+          <a:p>
+            <a:r>
+              <a:rPr lang="en-US" sz="3200" i="0" dirty="0">
                 <a:solidFill>
                   <a:srgbClr val="202124"/>
                 </a:solidFill>
                 <a:effectLst/>
                 <a:latin typeface="arial" panose="020B0604020202020204" pitchFamily="34" charset="0"/>
               </a:rPr>
-              <a:t>We can also say </a:t>
-            </a:r>
-            <a:r>
-              <a:rPr lang="en-US" i="0" dirty="0">
-                <a:solidFill>
-                  <a:srgbClr val="4D5156"/>
-                </a:solidFill>
-                <a:effectLst/>
-                <a:latin typeface="arial" panose="020B0604020202020204" pitchFamily="34" charset="0"/>
-              </a:rPr>
-              <a:t>decorator is </a:t>
-            </a:r>
-            <a:r>
-              <a:rPr lang="en-US" i="0" dirty="0">
-                <a:solidFill>
-                  <a:srgbClr val="5F6368"/>
-                </a:solidFill>
-                <a:effectLst/>
-                <a:latin typeface="arial" panose="020B0604020202020204" pitchFamily="34" charset="0"/>
-              </a:rPr>
-              <a:t>a function that accepts another function as argument, and returns another function as a return value</a:t>
-            </a:r>
-            <a:br>
-              <a:rPr lang="en-IN" b="0" i="0" dirty="0">
+              <a:t>A decorator is a design pattern in Python through which a user can add additional functionality to an existing object without modifying its underlying structure. Decorators are called before the definition of a function you want to decorate.</a:t>
+            </a:r>
+          </a:p>
+          <a:p>
+            <a:r>
+              <a:rPr lang="en-US" sz="3200" i="0" dirty="0">
                 <a:solidFill>
                   <a:srgbClr val="202124"/>
                 </a:solidFill>
                 <a:effectLst/>
                 <a:latin typeface="arial" panose="020B0604020202020204" pitchFamily="34" charset="0"/>
               </a:rPr>
-            </a:br>
-            <a:endParaRPr lang="en-IN" dirty="0"/>
+              <a:t>So simplistically we can say decorators are functions which modify the functionality of other functions. They make the code more concise and pythonic. </a:t>
+            </a:r>
+          </a:p>
+          <a:p>
+            <a:endParaRPr lang="en-US" sz="3200" i="0" dirty="0">
+              <a:solidFill>
+                <a:srgbClr val="202124"/>
+              </a:solidFill>
+              <a:effectLst/>
+              <a:latin typeface="arial" panose="020B0604020202020204" pitchFamily="34" charset="0"/>
+            </a:endParaRPr>
+          </a:p>
+          <a:p>
+            <a:endParaRPr lang="en-US" sz="3200" i="0" dirty="0">
+              <a:solidFill>
+                <a:srgbClr val="202124"/>
+              </a:solidFill>
+              <a:effectLst/>
+              <a:latin typeface="arial" panose="020B0604020202020204" pitchFamily="34" charset="0"/>
+            </a:endParaRPr>
           </a:p>
         </p:txBody>
       </p:sp>
     </p:spTree>
     <p:extLst>
       <p:ext uri="{BB962C8B-B14F-4D97-AF65-F5344CB8AC3E}">
-        <p14:creationId xmlns:p14="http://schemas.microsoft.com/office/powerpoint/2010/main" val="743235917"/>
+        <p14:creationId xmlns:p14="http://schemas.microsoft.com/office/powerpoint/2010/main" val="1928265591"/>
+      </p:ext>
+    </p:extLst>
+  </p:cSld>
+  <p:clrMapOvr>
+    <a:masterClrMapping/>
+  </p:clrMapOvr>
+</p:sld>
+</file>
+
+<file path=ppt/slides/slide2.xml><?xml version="1.0" encoding="utf-8"?>
+<p:sld xmlns:a="http://schemas.openxmlformats.org/drawingml/2006/main" xmlns:r="http://schemas.openxmlformats.org/officeDocument/2006/relationships" xmlns:p="http://schemas.openxmlformats.org/presentationml/2006/main">
+  <p:cSld>
+    <p:spTree>
+      <p:nvGrpSpPr>
+        <p:cNvPr id="1" name=""/>
+        <p:cNvGrpSpPr/>
+        <p:nvPr/>
+      </p:nvGrpSpPr>
+      <p:grpSpPr>
+        <a:xfrm>
+          <a:off x="0" y="0"/>
+          <a:ext cx="0" cy="0"/>
+          <a:chOff x="0" y="0"/>
+          <a:chExt cx="0" cy="0"/>
+        </a:xfrm>
+      </p:grpSpPr>
+      <p:sp>
+        <p:nvSpPr>
+          <p:cNvPr id="3" name="Rectangle 2">
+            <a:extLst>
+              <a:ext uri="{FF2B5EF4-FFF2-40B4-BE49-F238E27FC236}">
+                <a16:creationId xmlns:a16="http://schemas.microsoft.com/office/drawing/2014/main" id="{72E9DE44-ABE7-DC99-ED6A-B86B3C85E091}"/>
+              </a:ext>
+            </a:extLst>
+          </p:cNvPr>
+          <p:cNvSpPr/>
+          <p:nvPr/>
+        </p:nvSpPr>
+        <p:spPr>
+          <a:xfrm>
+            <a:off x="1148316" y="4508159"/>
+            <a:ext cx="3285461" cy="1318483"/>
+          </a:xfrm>
+          <a:prstGeom prst="rect">
+            <a:avLst/>
+          </a:prstGeom>
+        </p:spPr>
+        <p:style>
+          <a:lnRef idx="2">
+            <a:schemeClr val="accent1">
+              <a:shade val="50000"/>
+            </a:schemeClr>
+          </a:lnRef>
+          <a:fillRef idx="1">
+            <a:schemeClr val="accent1"/>
+          </a:fillRef>
+          <a:effectRef idx="0">
+            <a:schemeClr val="accent1"/>
+          </a:effectRef>
+          <a:fontRef idx="minor">
+            <a:schemeClr val="lt1"/>
+          </a:fontRef>
+        </p:style>
+        <p:txBody>
+          <a:bodyPr rtlCol="0" anchor="ctr"/>
+          <a:lstStyle/>
+          <a:p>
+            <a:pPr algn="ctr"/>
+            <a:r>
+              <a:rPr lang="en-US" dirty="0"/>
+              <a:t># Client code</a:t>
+            </a:r>
+          </a:p>
+          <a:p>
+            <a:pPr algn="ctr"/>
+            <a:r>
+              <a:rPr lang="en-US" dirty="0"/>
+              <a:t>      </a:t>
+            </a:r>
+            <a:r>
+              <a:rPr lang="en-US" dirty="0" err="1"/>
+              <a:t>function_one</a:t>
+            </a:r>
+            <a:r>
+              <a:rPr lang="en-US" dirty="0"/>
+              <a:t>()</a:t>
+            </a:r>
+            <a:endParaRPr lang="en-IN" dirty="0"/>
+          </a:p>
+        </p:txBody>
+      </p:sp>
+      <p:sp>
+        <p:nvSpPr>
+          <p:cNvPr id="9" name="TextBox 8">
+            <a:extLst>
+              <a:ext uri="{FF2B5EF4-FFF2-40B4-BE49-F238E27FC236}">
+                <a16:creationId xmlns:a16="http://schemas.microsoft.com/office/drawing/2014/main" id="{94B6670F-6420-97F6-3378-CEC1DB531EF7}"/>
+              </a:ext>
+            </a:extLst>
+          </p:cNvPr>
+          <p:cNvSpPr txBox="1"/>
+          <p:nvPr/>
+        </p:nvSpPr>
+        <p:spPr>
+          <a:xfrm>
+            <a:off x="1148316" y="1190847"/>
+            <a:ext cx="3994299" cy="2031325"/>
+          </a:xfrm>
+          <a:prstGeom prst="rect">
+            <a:avLst/>
+          </a:prstGeom>
+          <a:ln/>
+        </p:spPr>
+        <p:style>
+          <a:lnRef idx="1">
+            <a:schemeClr val="accent2"/>
+          </a:lnRef>
+          <a:fillRef idx="2">
+            <a:schemeClr val="accent2"/>
+          </a:fillRef>
+          <a:effectRef idx="1">
+            <a:schemeClr val="accent2"/>
+          </a:effectRef>
+          <a:fontRef idx="minor">
+            <a:schemeClr val="dk1"/>
+          </a:fontRef>
+        </p:style>
+        <p:txBody>
+          <a:bodyPr wrap="square" rtlCol="0">
+            <a:spAutoFit/>
+          </a:bodyPr>
+          <a:lstStyle/>
+          <a:p>
+            <a:r>
+              <a:rPr lang="en-US" dirty="0"/>
+              <a:t># This is the decorated function</a:t>
+            </a:r>
+          </a:p>
+          <a:p>
+            <a:r>
+              <a:rPr lang="en-US" dirty="0"/>
+              <a:t>@decorator_function</a:t>
+            </a:r>
+          </a:p>
+          <a:p>
+            <a:r>
+              <a:rPr lang="en-US" dirty="0"/>
+              <a:t>def </a:t>
+            </a:r>
+            <a:r>
+              <a:rPr lang="en-US" dirty="0" err="1"/>
+              <a:t>function_one</a:t>
+            </a:r>
+            <a:r>
+              <a:rPr lang="en-US" dirty="0"/>
+              <a:t>():</a:t>
+            </a:r>
+          </a:p>
+          <a:p>
+            <a:r>
+              <a:rPr lang="en-US" dirty="0"/>
+              <a:t>{</a:t>
+            </a:r>
+          </a:p>
+          <a:p>
+            <a:r>
+              <a:rPr lang="en-US" dirty="0"/>
+              <a:t>    print(“This function needs </a:t>
+            </a:r>
+            <a:br>
+              <a:rPr lang="en-US" dirty="0"/>
+            </a:br>
+            <a:r>
+              <a:rPr lang="en-US" dirty="0"/>
+              <a:t>                 to be decorated”)</a:t>
+            </a:r>
+          </a:p>
+          <a:p>
+            <a:r>
+              <a:rPr lang="en-US" dirty="0"/>
+              <a:t>}</a:t>
+            </a:r>
+            <a:endParaRPr lang="en-IN" dirty="0"/>
+          </a:p>
+        </p:txBody>
+      </p:sp>
+      <p:sp>
+        <p:nvSpPr>
+          <p:cNvPr id="19" name="TextBox 18">
+            <a:extLst>
+              <a:ext uri="{FF2B5EF4-FFF2-40B4-BE49-F238E27FC236}">
+                <a16:creationId xmlns:a16="http://schemas.microsoft.com/office/drawing/2014/main" id="{1AEFB7B5-2EC9-2E6C-9E2F-48553E0AD252}"/>
+              </a:ext>
+            </a:extLst>
+          </p:cNvPr>
+          <p:cNvSpPr txBox="1"/>
+          <p:nvPr/>
+        </p:nvSpPr>
+        <p:spPr>
+          <a:xfrm>
+            <a:off x="7049386" y="1190847"/>
+            <a:ext cx="4774019" cy="2031325"/>
+          </a:xfrm>
+          <a:prstGeom prst="rect">
+            <a:avLst/>
+          </a:prstGeom>
+        </p:spPr>
+        <p:style>
+          <a:lnRef idx="1">
+            <a:schemeClr val="accent2"/>
+          </a:lnRef>
+          <a:fillRef idx="2">
+            <a:schemeClr val="accent2"/>
+          </a:fillRef>
+          <a:effectRef idx="1">
+            <a:schemeClr val="accent2"/>
+          </a:effectRef>
+          <a:fontRef idx="minor">
+            <a:schemeClr val="dk1"/>
+          </a:fontRef>
+        </p:style>
+        <p:txBody>
+          <a:bodyPr wrap="square" rtlCol="0">
+            <a:spAutoFit/>
+          </a:bodyPr>
+          <a:lstStyle/>
+          <a:p>
+            <a:r>
+              <a:rPr lang="en-US" dirty="0"/>
+              <a:t># This is the decorator function</a:t>
+            </a:r>
+          </a:p>
+          <a:p>
+            <a:r>
+              <a:rPr lang="en-US" dirty="0"/>
+              <a:t>def </a:t>
+            </a:r>
+            <a:r>
+              <a:rPr lang="en-US" dirty="0" err="1"/>
+              <a:t>decorator_function</a:t>
+            </a:r>
+            <a:r>
+              <a:rPr lang="en-US" dirty="0"/>
+              <a:t>(</a:t>
+            </a:r>
+            <a:r>
+              <a:rPr lang="en-US" dirty="0" err="1"/>
+              <a:t>func</a:t>
+            </a:r>
+            <a:r>
+              <a:rPr lang="en-US" dirty="0"/>
+              <a:t>):</a:t>
+            </a:r>
+          </a:p>
+          <a:p>
+            <a:r>
+              <a:rPr lang="en-US" dirty="0"/>
+              <a:t>{</a:t>
+            </a:r>
+          </a:p>
+          <a:p>
+            <a:r>
+              <a:rPr lang="en-US" dirty="0"/>
+              <a:t>      print(“This is the decorator function”)</a:t>
+            </a:r>
+          </a:p>
+          <a:p>
+            <a:r>
+              <a:rPr lang="en-US" dirty="0"/>
+              <a:t>      print(“This function does some decoration”)</a:t>
+            </a:r>
+          </a:p>
+          <a:p>
+            <a:r>
+              <a:rPr lang="en-US" dirty="0"/>
+              <a:t>      return </a:t>
+            </a:r>
+            <a:r>
+              <a:rPr lang="en-US" dirty="0" err="1"/>
+              <a:t>func</a:t>
+            </a:r>
+            <a:r>
+              <a:rPr lang="en-US" dirty="0"/>
+              <a:t>;</a:t>
+            </a:r>
+          </a:p>
+          <a:p>
+            <a:r>
+              <a:rPr lang="en-US" dirty="0"/>
+              <a:t>}</a:t>
+            </a:r>
+            <a:endParaRPr lang="en-IN" dirty="0"/>
+          </a:p>
+        </p:txBody>
+      </p:sp>
+      <p:cxnSp>
+        <p:nvCxnSpPr>
+          <p:cNvPr id="21" name="Straight Arrow Connector 20">
+            <a:extLst>
+              <a:ext uri="{FF2B5EF4-FFF2-40B4-BE49-F238E27FC236}">
+                <a16:creationId xmlns:a16="http://schemas.microsoft.com/office/drawing/2014/main" id="{F556E21B-AD7F-DF6E-38C4-9F984375C09D}"/>
+              </a:ext>
+            </a:extLst>
+          </p:cNvPr>
+          <p:cNvCxnSpPr>
+            <a:cxnSpLocks/>
+          </p:cNvCxnSpPr>
+          <p:nvPr/>
+        </p:nvCxnSpPr>
+        <p:spPr>
+          <a:xfrm flipV="1">
+            <a:off x="1977656" y="3222172"/>
+            <a:ext cx="0" cy="1285987"/>
+          </a:xfrm>
+          <a:prstGeom prst="straightConnector1">
+            <a:avLst/>
+          </a:prstGeom>
+          <a:ln>
+            <a:solidFill>
+              <a:srgbClr val="00B050"/>
+            </a:solidFill>
+            <a:tailEnd type="triangle"/>
+          </a:ln>
+        </p:spPr>
+        <p:style>
+          <a:lnRef idx="3">
+            <a:schemeClr val="dk1"/>
+          </a:lnRef>
+          <a:fillRef idx="0">
+            <a:schemeClr val="dk1"/>
+          </a:fillRef>
+          <a:effectRef idx="2">
+            <a:schemeClr val="dk1"/>
+          </a:effectRef>
+          <a:fontRef idx="minor">
+            <a:schemeClr val="tx1"/>
+          </a:fontRef>
+        </p:style>
+      </p:cxnSp>
+      <p:cxnSp>
+        <p:nvCxnSpPr>
+          <p:cNvPr id="30" name="Straight Arrow Connector 29">
+            <a:extLst>
+              <a:ext uri="{FF2B5EF4-FFF2-40B4-BE49-F238E27FC236}">
+                <a16:creationId xmlns:a16="http://schemas.microsoft.com/office/drawing/2014/main" id="{FA3B0BE0-154F-7170-4D86-725E0CEDB11F}"/>
+              </a:ext>
+            </a:extLst>
+          </p:cNvPr>
+          <p:cNvCxnSpPr>
+            <a:cxnSpLocks/>
+          </p:cNvCxnSpPr>
+          <p:nvPr/>
+        </p:nvCxnSpPr>
+        <p:spPr>
+          <a:xfrm>
+            <a:off x="5142615" y="1701209"/>
+            <a:ext cx="1906771" cy="0"/>
+          </a:xfrm>
+          <a:prstGeom prst="straightConnector1">
+            <a:avLst/>
+          </a:prstGeom>
+          <a:ln>
+            <a:solidFill>
+              <a:srgbClr val="00B050"/>
+            </a:solidFill>
+            <a:tailEnd type="triangle"/>
+          </a:ln>
+        </p:spPr>
+        <p:style>
+          <a:lnRef idx="3">
+            <a:schemeClr val="dk1"/>
+          </a:lnRef>
+          <a:fillRef idx="0">
+            <a:schemeClr val="dk1"/>
+          </a:fillRef>
+          <a:effectRef idx="2">
+            <a:schemeClr val="dk1"/>
+          </a:effectRef>
+          <a:fontRef idx="minor">
+            <a:schemeClr val="tx1"/>
+          </a:fontRef>
+        </p:style>
+      </p:cxnSp>
+      <p:cxnSp>
+        <p:nvCxnSpPr>
+          <p:cNvPr id="34" name="Straight Arrow Connector 33">
+            <a:extLst>
+              <a:ext uri="{FF2B5EF4-FFF2-40B4-BE49-F238E27FC236}">
+                <a16:creationId xmlns:a16="http://schemas.microsoft.com/office/drawing/2014/main" id="{D70EF794-7D79-5A68-1679-E4C5ACA136CC}"/>
+              </a:ext>
+            </a:extLst>
+          </p:cNvPr>
+          <p:cNvCxnSpPr/>
+          <p:nvPr/>
+        </p:nvCxnSpPr>
+        <p:spPr>
+          <a:xfrm flipH="1">
+            <a:off x="5142615" y="2200940"/>
+            <a:ext cx="1906771" cy="0"/>
+          </a:xfrm>
+          <a:prstGeom prst="straightConnector1">
+            <a:avLst/>
+          </a:prstGeom>
+          <a:ln>
+            <a:solidFill>
+              <a:srgbClr val="00B050"/>
+            </a:solidFill>
+            <a:tailEnd type="triangle"/>
+          </a:ln>
+        </p:spPr>
+        <p:style>
+          <a:lnRef idx="3">
+            <a:schemeClr val="dk1"/>
+          </a:lnRef>
+          <a:fillRef idx="0">
+            <a:schemeClr val="dk1"/>
+          </a:fillRef>
+          <a:effectRef idx="2">
+            <a:schemeClr val="dk1"/>
+          </a:effectRef>
+          <a:fontRef idx="minor">
+            <a:schemeClr val="tx1"/>
+          </a:fontRef>
+        </p:style>
+      </p:cxnSp>
+    </p:spTree>
+    <p:extLst>
+      <p:ext uri="{BB962C8B-B14F-4D97-AF65-F5344CB8AC3E}">
+        <p14:creationId xmlns:p14="http://schemas.microsoft.com/office/powerpoint/2010/main" val="3152095683"/>
       </p:ext>
     </p:extLst>
   </p:cSld>
